--- a/PPTs/748.pptx
+++ b/PPTs/748.pptx
@@ -24149,7 +24149,7 @@
           <a:p>
             <a:fld id="{CCB236BB-53DE-4462-8C4F-7698E6995948}" type="datetimeFigureOut">
               <a:rPr lang="en-IN" smtClean="0"/>
-              <a:t>07-02-2021</a:t>
+              <a:t>21-03-2021</a:t>
             </a:fld>
             <a:endParaRPr lang="en-IN" dirty="0"/>
           </a:p>
@@ -24349,7 +24349,7 @@
           <a:p>
             <a:fld id="{CCB236BB-53DE-4462-8C4F-7698E6995948}" type="datetimeFigureOut">
               <a:rPr lang="en-IN" smtClean="0"/>
-              <a:t>07-02-2021</a:t>
+              <a:t>21-03-2021</a:t>
             </a:fld>
             <a:endParaRPr lang="en-IN" dirty="0"/>
           </a:p>
@@ -24559,7 +24559,7 @@
           <a:p>
             <a:fld id="{CCB236BB-53DE-4462-8C4F-7698E6995948}" type="datetimeFigureOut">
               <a:rPr lang="en-IN" smtClean="0"/>
-              <a:t>07-02-2021</a:t>
+              <a:t>21-03-2021</a:t>
             </a:fld>
             <a:endParaRPr lang="en-IN" dirty="0"/>
           </a:p>
@@ -24759,7 +24759,7 @@
           <a:p>
             <a:fld id="{CCB236BB-53DE-4462-8C4F-7698E6995948}" type="datetimeFigureOut">
               <a:rPr lang="en-IN" smtClean="0"/>
-              <a:t>07-02-2021</a:t>
+              <a:t>21-03-2021</a:t>
             </a:fld>
             <a:endParaRPr lang="en-IN" dirty="0"/>
           </a:p>
@@ -25035,7 +25035,7 @@
           <a:p>
             <a:fld id="{CCB236BB-53DE-4462-8C4F-7698E6995948}" type="datetimeFigureOut">
               <a:rPr lang="en-IN" smtClean="0"/>
-              <a:t>07-02-2021</a:t>
+              <a:t>21-03-2021</a:t>
             </a:fld>
             <a:endParaRPr lang="en-IN" dirty="0"/>
           </a:p>
@@ -25303,7 +25303,7 @@
           <a:p>
             <a:fld id="{CCB236BB-53DE-4462-8C4F-7698E6995948}" type="datetimeFigureOut">
               <a:rPr lang="en-IN" smtClean="0"/>
-              <a:t>07-02-2021</a:t>
+              <a:t>21-03-2021</a:t>
             </a:fld>
             <a:endParaRPr lang="en-IN" dirty="0"/>
           </a:p>
@@ -25718,7 +25718,7 @@
           <a:p>
             <a:fld id="{CCB236BB-53DE-4462-8C4F-7698E6995948}" type="datetimeFigureOut">
               <a:rPr lang="en-IN" smtClean="0"/>
-              <a:t>07-02-2021</a:t>
+              <a:t>21-03-2021</a:t>
             </a:fld>
             <a:endParaRPr lang="en-IN" dirty="0"/>
           </a:p>
@@ -25860,7 +25860,7 @@
           <a:p>
             <a:fld id="{CCB236BB-53DE-4462-8C4F-7698E6995948}" type="datetimeFigureOut">
               <a:rPr lang="en-IN" smtClean="0"/>
-              <a:t>07-02-2021</a:t>
+              <a:t>21-03-2021</a:t>
             </a:fld>
             <a:endParaRPr lang="en-IN" dirty="0"/>
           </a:p>
@@ -25973,7 +25973,7 @@
           <a:p>
             <a:fld id="{CCB236BB-53DE-4462-8C4F-7698E6995948}" type="datetimeFigureOut">
               <a:rPr lang="en-IN" smtClean="0"/>
-              <a:t>07-02-2021</a:t>
+              <a:t>21-03-2021</a:t>
             </a:fld>
             <a:endParaRPr lang="en-IN" dirty="0"/>
           </a:p>
@@ -26286,7 +26286,7 @@
           <a:p>
             <a:fld id="{CCB236BB-53DE-4462-8C4F-7698E6995948}" type="datetimeFigureOut">
               <a:rPr lang="en-IN" smtClean="0"/>
-              <a:t>07-02-2021</a:t>
+              <a:t>21-03-2021</a:t>
             </a:fld>
             <a:endParaRPr lang="en-IN" dirty="0"/>
           </a:p>
@@ -26575,7 +26575,7 @@
           <a:p>
             <a:fld id="{CCB236BB-53DE-4462-8C4F-7698E6995948}" type="datetimeFigureOut">
               <a:rPr lang="en-IN" smtClean="0"/>
-              <a:t>07-02-2021</a:t>
+              <a:t>21-03-2021</a:t>
             </a:fld>
             <a:endParaRPr lang="en-IN" dirty="0"/>
           </a:p>
@@ -26821,7 +26821,7 @@
           <a:p>
             <a:fld id="{CCB236BB-53DE-4462-8C4F-7698E6995948}" type="datetimeFigureOut">
               <a:rPr lang="en-IN" smtClean="0"/>
-              <a:t>07-02-2021</a:t>
+              <a:t>21-03-2021</a:t>
             </a:fld>
             <a:endParaRPr lang="en-IN" dirty="0"/>
           </a:p>
@@ -27608,7 +27608,15 @@
             </a:r>
             <a:r>
               <a:rPr lang="en-IN" dirty="0"/>
-              <a:t> - 8</a:t>
+              <a:t> - 8 - _</a:t>
+            </a:r>
+            <a:r>
+              <a:rPr lang="en-IN" dirty="0" err="1"/>
+              <a:t>ô§Lú</a:t>
+            </a:r>
+            <a:r>
+              <a:rPr lang="en-IN" dirty="0"/>
+              <a:t>[</a:t>
             </a:r>
           </a:p>
         </p:txBody>
